--- a/Apresentação/Estudo de Mercado - Aderência Meli Mercado Argentino.pptx
+++ b/Apresentação/Estudo de Mercado - Aderência Meli Mercado Argentino.pptx
@@ -984,7 +984,15 @@
         <a:p>
           <a:r>
             <a:rPr lang="pt-BR" dirty="0" smtClean="0"/>
-            <a:t>O QUE EXPLICA O CRESCIMENTO DO ACESSO A INTERNET NA ARGENTINA E QUAL A RELAÇÃO COM O PÚBLICO ALVO DO MERCADO LIVRE</a:t>
+            <a:t>O QUE EXPLICA O CRESCIMENTO DO ACESSO </a:t>
+          </a:r>
+          <a:r>
+            <a:rPr lang="pt-BR" dirty="0" smtClean="0"/>
+            <a:t>À </a:t>
+          </a:r>
+          <a:r>
+            <a:rPr lang="pt-BR" dirty="0" smtClean="0"/>
+            <a:t>INTERNET NA ARGENTINA E QUAL A RELAÇÃO COM O PÚBLICO ALVO DO MERCADO LIVRE</a:t>
           </a:r>
           <a:endParaRPr lang="pt-BR" dirty="0"/>
         </a:p>
@@ -1021,7 +1029,11 @@
         <a:p>
           <a:r>
             <a:rPr lang="pt-BR" dirty="0" smtClean="0"/>
-            <a:t>ASPECTOS ECONÔMICOS – MERCAD0 DE TRABALHO</a:t>
+            <a:t>ASPECTO ECONÔMICO – </a:t>
+          </a:r>
+          <a:r>
+            <a:rPr lang="pt-BR" dirty="0" smtClean="0"/>
+            <a:t>MERCAD0 DE TRABALHO</a:t>
           </a:r>
           <a:endParaRPr lang="pt-BR" dirty="0"/>
         </a:p>
@@ -1474,7 +1486,15 @@
           </a:pPr>
           <a:r>
             <a:rPr lang="pt-BR" sz="1400" kern="1200" dirty="0" smtClean="0"/>
-            <a:t>O QUE EXPLICA O CRESCIMENTO DO ACESSO A INTERNET NA ARGENTINA E QUAL A RELAÇÃO COM O PÚBLICO ALVO DO MERCADO LIVRE</a:t>
+            <a:t>O QUE EXPLICA O CRESCIMENTO DO ACESSO </a:t>
+          </a:r>
+          <a:r>
+            <a:rPr lang="pt-BR" sz="1400" kern="1200" dirty="0" smtClean="0"/>
+            <a:t>À </a:t>
+          </a:r>
+          <a:r>
+            <a:rPr lang="pt-BR" sz="1400" kern="1200" dirty="0" smtClean="0"/>
+            <a:t>INTERNET NA ARGENTINA E QUAL A RELAÇÃO COM O PÚBLICO ALVO DO MERCADO LIVRE</a:t>
           </a:r>
           <a:endParaRPr lang="pt-BR" sz="1400" kern="1200" dirty="0"/>
         </a:p>
@@ -1599,7 +1619,11 @@
           </a:pPr>
           <a:r>
             <a:rPr lang="pt-BR" sz="1300" kern="1200" dirty="0" smtClean="0"/>
-            <a:t>ASPECTOS ECONÔMICOS – MERCAD0 DE TRABALHO</a:t>
+            <a:t>ASPECTO ECONÔMICO – </a:t>
+          </a:r>
+          <a:r>
+            <a:rPr lang="pt-BR" sz="1300" kern="1200" dirty="0" smtClean="0"/>
+            <a:t>MERCAD0 DE TRABALHO</a:t>
           </a:r>
           <a:endParaRPr lang="pt-BR" sz="1300" kern="1200" dirty="0"/>
         </a:p>
@@ -6434,7 +6458,7 @@
         <p:spPr>
           <a:xfrm>
             <a:off x="4064020" y="2517530"/>
-            <a:ext cx="4673559" cy="2900089"/>
+            <a:ext cx="4673559" cy="3016210"/>
           </a:xfrm>
           <a:prstGeom prst="rect">
             <a:avLst/>
@@ -6455,7 +6479,27 @@
                 <a:latin typeface="Arial"/>
                 <a:cs typeface="Arial"/>
               </a:rPr>
-              <a:t>ADERÊNCIA DO MARKETPLACE E DO MERCADO ADS NO NA ARGENTINA</a:t>
+              <a:t>ADERÊNCIA DO MARKETPLACE E DO MERCADO </a:t>
+            </a:r>
+            <a:r>
+              <a:rPr lang="pt-BR" sz="2800" spc="-40" dirty="0" smtClean="0">
+                <a:solidFill>
+                  <a:srgbClr val="FFFFFF"/>
+                </a:solidFill>
+                <a:latin typeface="Arial"/>
+                <a:cs typeface="Arial"/>
+              </a:rPr>
+              <a:t>ADS </a:t>
+            </a:r>
+            <a:r>
+              <a:rPr lang="pt-BR" sz="2800" spc="-40" dirty="0">
+                <a:solidFill>
+                  <a:srgbClr val="FFFFFF"/>
+                </a:solidFill>
+                <a:latin typeface="Arial"/>
+                <a:cs typeface="Arial"/>
+              </a:rPr>
+              <a:t>NA ARGENTINA</a:t>
             </a:r>
             <a:endParaRPr lang="en-US" sz="2000" dirty="0"/>
           </a:p>
@@ -6468,7 +6512,7 @@
                 <a:spcPts val="1580"/>
               </a:spcBef>
             </a:pPr>
-            <a:endParaRPr lang="pt-BR" sz="3600" spc="-40">
+            <a:endParaRPr lang="pt-BR" sz="3600" spc="-40" dirty="0">
               <a:solidFill>
                 <a:srgbClr val="FFFFFF"/>
               </a:solidFill>
@@ -6574,9 +6618,9 @@
                 <a:latin typeface="Trebuchet MS"/>
                 <a:cs typeface="Trebuchet MS"/>
               </a:rPr>
-              <a:t>PÚBLICO ALVO</a:t>
-            </a:r>
-            <a:endParaRPr sz="1000" dirty="0">
+              <a:t>ANÁLISE DE MERCADO</a:t>
+            </a:r>
+            <a:endParaRPr lang="pt-BR" sz="1000" dirty="0">
               <a:latin typeface="Trebuchet MS"/>
               <a:cs typeface="Trebuchet MS"/>
             </a:endParaRPr>
@@ -6748,7 +6792,7 @@
         <p:spPr>
           <a:xfrm>
             <a:off x="7391400" y="1733722"/>
-            <a:ext cx="6508750" cy="1780487"/>
+            <a:ext cx="6508750" cy="2224327"/>
           </a:xfrm>
           <a:prstGeom prst="rect">
             <a:avLst/>
@@ -6773,7 +6817,87 @@
                 <a:latin typeface="Arial" panose="020B0604020202020204" pitchFamily="34" charset="0"/>
                 <a:cs typeface="Arial" panose="020B0604020202020204" pitchFamily="34" charset="0"/>
               </a:rPr>
-              <a:t>O número de pessoas com acesso a internet cresceu em destaque no ano de 2020. Esse aumento é explicado principalmente pelo congelamento das tarifas de celular e internet pelo governo em 2020, com a inserção deles na categoria de serviços essenciais.</a:t>
+              <a:t>O número de pessoas com </a:t>
+            </a:r>
+            <a:r>
+              <a:rPr lang="pt-BR" sz="1400" spc="105" dirty="0" smtClean="0">
+                <a:latin typeface="Arial" panose="020B0604020202020204" pitchFamily="34" charset="0"/>
+                <a:cs typeface="Arial" panose="020B0604020202020204" pitchFamily="34" charset="0"/>
+              </a:rPr>
+              <a:t>acesso à internet </a:t>
+            </a:r>
+            <a:r>
+              <a:rPr lang="pt-BR" sz="1400" spc="105" dirty="0" smtClean="0">
+                <a:latin typeface="Arial" panose="020B0604020202020204" pitchFamily="34" charset="0"/>
+                <a:cs typeface="Arial" panose="020B0604020202020204" pitchFamily="34" charset="0"/>
+              </a:rPr>
+              <a:t>cresceu em destaque no ano de 2020. Esse aumento é </a:t>
+            </a:r>
+            <a:r>
+              <a:rPr lang="pt-BR" sz="1400" spc="105" dirty="0" smtClean="0">
+                <a:latin typeface="Arial" panose="020B0604020202020204" pitchFamily="34" charset="0"/>
+                <a:cs typeface="Arial" panose="020B0604020202020204" pitchFamily="34" charset="0"/>
+              </a:rPr>
+              <a:t>explicado, principalmente, </a:t>
+            </a:r>
+            <a:r>
+              <a:rPr lang="pt-BR" sz="1400" spc="105" dirty="0" smtClean="0">
+                <a:latin typeface="Arial" panose="020B0604020202020204" pitchFamily="34" charset="0"/>
+                <a:cs typeface="Arial" panose="020B0604020202020204" pitchFamily="34" charset="0"/>
+              </a:rPr>
+              <a:t>pelo congelamento das tarifas de celular e internet pelo </a:t>
+            </a:r>
+            <a:r>
+              <a:rPr lang="pt-BR" sz="1400" spc="105" dirty="0" smtClean="0">
+                <a:latin typeface="Arial" panose="020B0604020202020204" pitchFamily="34" charset="0"/>
+                <a:cs typeface="Arial" panose="020B0604020202020204" pitchFamily="34" charset="0"/>
+              </a:rPr>
+              <a:t>governo argentino </a:t>
+            </a:r>
+            <a:r>
+              <a:rPr lang="pt-BR" sz="1400" spc="105" dirty="0" smtClean="0">
+                <a:latin typeface="Arial" panose="020B0604020202020204" pitchFamily="34" charset="0"/>
+                <a:cs typeface="Arial" panose="020B0604020202020204" pitchFamily="34" charset="0"/>
+              </a:rPr>
+              <a:t>em 2020, com a inserção </a:t>
+            </a:r>
+            <a:r>
+              <a:rPr lang="pt-BR" sz="1400" spc="105" dirty="0" smtClean="0">
+                <a:latin typeface="Arial" panose="020B0604020202020204" pitchFamily="34" charset="0"/>
+                <a:cs typeface="Arial" panose="020B0604020202020204" pitchFamily="34" charset="0"/>
+              </a:rPr>
+              <a:t>das mesmas </a:t>
+            </a:r>
+            <a:r>
+              <a:rPr lang="pt-BR" sz="1400" spc="105" dirty="0" smtClean="0">
+                <a:latin typeface="Arial" panose="020B0604020202020204" pitchFamily="34" charset="0"/>
+                <a:cs typeface="Arial" panose="020B0604020202020204" pitchFamily="34" charset="0"/>
+              </a:rPr>
+              <a:t>na categoria de serviços essenciais</a:t>
+            </a:r>
+            <a:r>
+              <a:rPr lang="pt-BR" sz="1400" spc="105" dirty="0" smtClean="0">
+                <a:latin typeface="Arial" panose="020B0604020202020204" pitchFamily="34" charset="0"/>
+                <a:cs typeface="Arial" panose="020B0604020202020204" pitchFamily="34" charset="0"/>
+              </a:rPr>
+              <a:t>. </a:t>
+            </a:r>
+          </a:p>
+          <a:p>
+            <a:pPr marL="12700" marR="1885950">
+              <a:lnSpc>
+                <a:spcPct val="102899"/>
+              </a:lnSpc>
+              <a:spcBef>
+                <a:spcPts val="40"/>
+              </a:spcBef>
+            </a:pPr>
+            <a:r>
+              <a:rPr lang="pt-BR" sz="1400" spc="105" dirty="0" smtClean="0">
+                <a:latin typeface="Arial" panose="020B0604020202020204" pitchFamily="34" charset="0"/>
+                <a:cs typeface="Arial" panose="020B0604020202020204" pitchFamily="34" charset="0"/>
+              </a:rPr>
+              <a:t>O avanço do teletrabalho também pode ter impactado no aumento desse indicador. </a:t>
             </a:r>
             <a:endParaRPr lang="pt-BR" sz="1400" spc="105" dirty="0">
               <a:latin typeface="Arial" panose="020B0604020202020204" pitchFamily="34" charset="0"/>
@@ -6908,7 +7032,14 @@
                 <a:latin typeface="Trebuchet MS"/>
                 <a:cs typeface="Trebuchet MS"/>
               </a:rPr>
-              <a:t>AUMENTO NO NÚMERO DE PESSOAS COM ACESSO A INTERNET</a:t>
+              <a:t>AUMENTO NO NÚMERO DE PESSOAS COM </a:t>
+            </a:r>
+            <a:r>
+              <a:rPr lang="pt-BR" sz="1700" b="1" spc="105" dirty="0" smtClean="0">
+                <a:latin typeface="Trebuchet MS"/>
+                <a:cs typeface="Trebuchet MS"/>
+              </a:rPr>
+              <a:t>ACESSO À INTERNET</a:t>
             </a:r>
             <a:endParaRPr lang="pt-BR" sz="1700" b="1" spc="105" dirty="0">
               <a:latin typeface="Trebuchet MS"/>
@@ -7276,7 +7407,7 @@
         <p:spPr>
           <a:xfrm>
             <a:off x="730250" y="1747225"/>
-            <a:ext cx="5137150" cy="2002408"/>
+            <a:ext cx="5137150" cy="1987788"/>
           </a:xfrm>
           <a:prstGeom prst="rect">
             <a:avLst/>
@@ -7301,7 +7432,49 @@
                 <a:latin typeface="Arial" panose="020B0604020202020204" pitchFamily="34" charset="0"/>
                 <a:cs typeface="Arial" panose="020B0604020202020204" pitchFamily="34" charset="0"/>
               </a:rPr>
-              <a:t>Houve um aumento no número de acessos no fim do ano, atingindo o pico número de visualizações em janeiro, tendo uma queda acentuada em fevereiro. Esse movimento é esperado por coincidir com preíodo de natal, ano novo e férias, que correspondem a períodos de maior consumo.</a:t>
+              <a:t>Houve um aumento no número de acessos no fim do ano, atingindo o pico número de visualizações em janeiro, tendo uma queda acentuada em fevereiro. Esse movimento é esperado por coincidir com </a:t>
+            </a:r>
+            <a:r>
+              <a:rPr lang="pt-BR" sz="1400" spc="105" dirty="0" smtClean="0">
+                <a:latin typeface="Arial" panose="020B0604020202020204" pitchFamily="34" charset="0"/>
+                <a:cs typeface="Arial" panose="020B0604020202020204" pitchFamily="34" charset="0"/>
+              </a:rPr>
+              <a:t>o período </a:t>
+            </a:r>
+            <a:r>
+              <a:rPr lang="pt-BR" sz="1400" spc="105" dirty="0" smtClean="0">
+                <a:latin typeface="Arial" panose="020B0604020202020204" pitchFamily="34" charset="0"/>
+                <a:cs typeface="Arial" panose="020B0604020202020204" pitchFamily="34" charset="0"/>
+              </a:rPr>
+              <a:t>de </a:t>
+            </a:r>
+            <a:r>
+              <a:rPr lang="pt-BR" sz="1400" spc="105" dirty="0" smtClean="0">
+                <a:latin typeface="Arial" panose="020B0604020202020204" pitchFamily="34" charset="0"/>
+                <a:cs typeface="Arial" panose="020B0604020202020204" pitchFamily="34" charset="0"/>
+              </a:rPr>
+              <a:t>natal e </a:t>
+            </a:r>
+            <a:r>
+              <a:rPr lang="pt-BR" sz="1400" spc="105" dirty="0" smtClean="0">
+                <a:latin typeface="Arial" panose="020B0604020202020204" pitchFamily="34" charset="0"/>
+                <a:cs typeface="Arial" panose="020B0604020202020204" pitchFamily="34" charset="0"/>
+              </a:rPr>
+              <a:t>ano </a:t>
+            </a:r>
+            <a:r>
+              <a:rPr lang="pt-BR" sz="1400" spc="105" dirty="0" smtClean="0">
+                <a:latin typeface="Arial" panose="020B0604020202020204" pitchFamily="34" charset="0"/>
+                <a:cs typeface="Arial" panose="020B0604020202020204" pitchFamily="34" charset="0"/>
+              </a:rPr>
+              <a:t>novo, </a:t>
+            </a:r>
+            <a:r>
+              <a:rPr lang="pt-BR" sz="1400" spc="105" dirty="0" smtClean="0">
+                <a:latin typeface="Arial" panose="020B0604020202020204" pitchFamily="34" charset="0"/>
+                <a:cs typeface="Arial" panose="020B0604020202020204" pitchFamily="34" charset="0"/>
+              </a:rPr>
+              <a:t>que correspondem a períodos de maior consumo.</a:t>
             </a:r>
             <a:endParaRPr lang="pt-BR" sz="1400" spc="105" dirty="0">
               <a:latin typeface="Arial" panose="020B0604020202020204" pitchFamily="34" charset="0"/>
@@ -7572,7 +7745,21 @@
                 <a:latin typeface="Arial" panose="020B0604020202020204" pitchFamily="34" charset="0"/>
                 <a:cs typeface="Arial" panose="020B0604020202020204" pitchFamily="34" charset="0"/>
               </a:rPr>
-              <a:t>É possivel concluir também que não há grande diferença quanto a plataforma mobile e desktop.</a:t>
+              <a:t>É possivel </a:t>
+            </a:r>
+            <a:r>
+              <a:rPr lang="pt-BR" sz="1400" spc="105" dirty="0" smtClean="0">
+                <a:latin typeface="Arial" panose="020B0604020202020204" pitchFamily="34" charset="0"/>
+                <a:cs typeface="Arial" panose="020B0604020202020204" pitchFamily="34" charset="0"/>
+              </a:rPr>
+              <a:t>concluir, também, </a:t>
+            </a:r>
+            <a:r>
+              <a:rPr lang="pt-BR" sz="1400" spc="105" dirty="0" smtClean="0">
+                <a:latin typeface="Arial" panose="020B0604020202020204" pitchFamily="34" charset="0"/>
+                <a:cs typeface="Arial" panose="020B0604020202020204" pitchFamily="34" charset="0"/>
+              </a:rPr>
+              <a:t>que não há grande diferença quanto a plataforma mobile e desktop.</a:t>
             </a:r>
             <a:endParaRPr lang="pt-BR" sz="1400" spc="105" dirty="0">
               <a:latin typeface="Arial" panose="020B0604020202020204" pitchFamily="34" charset="0"/>
@@ -8571,7 +8758,27 @@
                 <a:latin typeface="Trebuchet MS"/>
                 <a:cs typeface="Trebuchet MS"/>
               </a:rPr>
-              <a:t>Whatsapp no Top 5 de links de destino</a:t>
+              <a:t>Whatsapp no Top 5 </a:t>
+            </a:r>
+            <a:r>
+              <a:rPr lang="pt-BR" sz="3200" b="1" spc="175" dirty="0" smtClean="0">
+                <a:solidFill>
+                  <a:srgbClr val="FFFFFF"/>
+                </a:solidFill>
+                <a:latin typeface="Trebuchet MS"/>
+                <a:cs typeface="Trebuchet MS"/>
+              </a:rPr>
+              <a:t>dos </a:t>
+            </a:r>
+            <a:r>
+              <a:rPr lang="pt-BR" sz="3200" b="1" spc="175" dirty="0" smtClean="0">
+                <a:solidFill>
+                  <a:srgbClr val="FFFFFF"/>
+                </a:solidFill>
+                <a:latin typeface="Trebuchet MS"/>
+                <a:cs typeface="Trebuchet MS"/>
+              </a:rPr>
+              <a:t>links de destino</a:t>
             </a:r>
             <a:endParaRPr sz="3200" dirty="0">
               <a:latin typeface="Trebuchet MS"/>
@@ -8620,7 +8827,77 @@
                 <a:latin typeface="Arial" panose="020B0604020202020204" pitchFamily="34" charset="0"/>
                 <a:cs typeface="Arial" panose="020B0604020202020204" pitchFamily="34" charset="0"/>
               </a:rPr>
-              <a:t>No top 5 dos links de destinos para pessoa que acesssaram o site do mercado livre argentino existe apenas o whatsapp como fora do ecosistema da empresa.</a:t>
+              <a:t>No top 5 dos links de </a:t>
+            </a:r>
+            <a:r>
+              <a:rPr lang="pt-BR" sz="1400" spc="105" dirty="0" smtClean="0">
+                <a:latin typeface="Arial" panose="020B0604020202020204" pitchFamily="34" charset="0"/>
+                <a:cs typeface="Arial" panose="020B0604020202020204" pitchFamily="34" charset="0"/>
+              </a:rPr>
+              <a:t>destino das pessoas </a:t>
+            </a:r>
+            <a:r>
+              <a:rPr lang="pt-BR" sz="1400" spc="105" dirty="0" smtClean="0">
+                <a:latin typeface="Arial" panose="020B0604020202020204" pitchFamily="34" charset="0"/>
+                <a:cs typeface="Arial" panose="020B0604020202020204" pitchFamily="34" charset="0"/>
+              </a:rPr>
+              <a:t>que </a:t>
+            </a:r>
+            <a:r>
+              <a:rPr lang="pt-BR" sz="1400" spc="105" dirty="0" smtClean="0">
+                <a:latin typeface="Arial" panose="020B0604020202020204" pitchFamily="34" charset="0"/>
+                <a:cs typeface="Arial" panose="020B0604020202020204" pitchFamily="34" charset="0"/>
+              </a:rPr>
+              <a:t>acessaram </a:t>
+            </a:r>
+            <a:r>
+              <a:rPr lang="pt-BR" sz="1400" spc="105" dirty="0" smtClean="0">
+                <a:latin typeface="Arial" panose="020B0604020202020204" pitchFamily="34" charset="0"/>
+                <a:cs typeface="Arial" panose="020B0604020202020204" pitchFamily="34" charset="0"/>
+              </a:rPr>
+              <a:t>o site do mercado livre </a:t>
+            </a:r>
+            <a:r>
+              <a:rPr lang="pt-BR" sz="1400" spc="105" dirty="0" smtClean="0">
+                <a:latin typeface="Arial" panose="020B0604020202020204" pitchFamily="34" charset="0"/>
+                <a:cs typeface="Arial" panose="020B0604020202020204" pitchFamily="34" charset="0"/>
+              </a:rPr>
+              <a:t>argentino, apenas </a:t>
+            </a:r>
+            <a:r>
+              <a:rPr lang="pt-BR" sz="1400" spc="105" dirty="0" smtClean="0">
+                <a:latin typeface="Arial" panose="020B0604020202020204" pitchFamily="34" charset="0"/>
+                <a:cs typeface="Arial" panose="020B0604020202020204" pitchFamily="34" charset="0"/>
+              </a:rPr>
+              <a:t>o whatsapp </a:t>
+            </a:r>
+            <a:r>
+              <a:rPr lang="pt-BR" sz="1400" spc="105" dirty="0" smtClean="0">
+                <a:latin typeface="Arial" panose="020B0604020202020204" pitchFamily="34" charset="0"/>
+                <a:cs typeface="Arial" panose="020B0604020202020204" pitchFamily="34" charset="0"/>
+              </a:rPr>
+              <a:t>está fora </a:t>
+            </a:r>
+            <a:r>
+              <a:rPr lang="pt-BR" sz="1400" spc="105" dirty="0" smtClean="0">
+                <a:latin typeface="Arial" panose="020B0604020202020204" pitchFamily="34" charset="0"/>
+                <a:cs typeface="Arial" panose="020B0604020202020204" pitchFamily="34" charset="0"/>
+              </a:rPr>
+              <a:t>do </a:t>
+            </a:r>
+            <a:r>
+              <a:rPr lang="pt-BR" sz="1400" spc="105" dirty="0" smtClean="0">
+                <a:latin typeface="Arial" panose="020B0604020202020204" pitchFamily="34" charset="0"/>
+                <a:cs typeface="Arial" panose="020B0604020202020204" pitchFamily="34" charset="0"/>
+              </a:rPr>
+              <a:t>ecossistema </a:t>
+            </a:r>
+            <a:r>
+              <a:rPr lang="pt-BR" sz="1400" spc="105" dirty="0" smtClean="0">
+                <a:latin typeface="Arial" panose="020B0604020202020204" pitchFamily="34" charset="0"/>
+                <a:cs typeface="Arial" panose="020B0604020202020204" pitchFamily="34" charset="0"/>
+              </a:rPr>
+              <a:t>da empresa.</a:t>
             </a:r>
             <a:endParaRPr lang="pt-BR" sz="1400" spc="105" dirty="0">
               <a:latin typeface="Arial" panose="020B0604020202020204" pitchFamily="34" charset="0"/>
@@ -8855,7 +9132,7 @@
         <p:spPr>
           <a:xfrm>
             <a:off x="730250" y="233781"/>
-            <a:ext cx="1509395" cy="166712"/>
+            <a:ext cx="2127250" cy="166712"/>
           </a:xfrm>
           <a:prstGeom prst="rect">
             <a:avLst/>
@@ -8876,16 +9153,16 @@
               </a:spcBef>
             </a:pPr>
             <a:r>
-              <a:rPr lang="pt-BR" sz="1000" spc="80">
+              <a:rPr lang="pt-BR" sz="1000" spc="80" dirty="0">
                 <a:solidFill>
                   <a:srgbClr val="4C4C4C"/>
                 </a:solidFill>
                 <a:latin typeface="Trebuchet MS"/>
                 <a:cs typeface="Trebuchet MS"/>
               </a:rPr>
-              <a:t>PÚBLICO ALVO</a:t>
-            </a:r>
-            <a:endParaRPr sz="1000" dirty="0">
+              <a:t>ANÁLISE COMPORTAMENTAL</a:t>
+            </a:r>
+            <a:endParaRPr lang="pt-BR" sz="1000" dirty="0">
               <a:latin typeface="Trebuchet MS"/>
               <a:cs typeface="Trebuchet MS"/>
             </a:endParaRPr>
@@ -8962,7 +9239,14 @@
                 <a:latin typeface="Trebuchet MS"/>
                 <a:cs typeface="Trebuchet MS"/>
               </a:rPr>
-              <a:t>NÚMERO DE CLIQUES EM ANÚNCIOS NO SITE DO MERCADO LIVRE</a:t>
+              <a:t>NÚMERO DE </a:t>
+            </a:r>
+            <a:r>
+              <a:rPr lang="pt-BR" sz="1700" b="1" spc="105" dirty="0" smtClean="0">
+                <a:latin typeface="Trebuchet MS"/>
+                <a:cs typeface="Trebuchet MS"/>
+              </a:rPr>
+              <a:t>VISITANTES QUE ACESSARAM APENAS UMA PÁGINA</a:t>
             </a:r>
             <a:endParaRPr lang="pt-BR" sz="1700" b="1" spc="105" dirty="0">
               <a:latin typeface="Trebuchet MS"/>
@@ -9128,7 +9412,47 @@
                 <a:latin typeface="Arial"/>
                 <a:cs typeface="Arial"/>
               </a:rPr>
-              <a:t>A performance de anúncios no site Argentino é muito inferior ao brasileiro</a:t>
+              <a:t>A performance de anúncios no site </a:t>
+            </a:r>
+            <a:r>
+              <a:rPr lang="pt-BR" sz="1600" b="1" spc="-85" dirty="0" smtClean="0">
+                <a:solidFill>
+                  <a:srgbClr val="FFFFFF"/>
+                </a:solidFill>
+                <a:latin typeface="Arial"/>
+                <a:cs typeface="Arial"/>
+              </a:rPr>
+              <a:t>argentino </a:t>
+            </a:r>
+            <a:r>
+              <a:rPr lang="pt-BR" sz="1600" b="1" spc="-85" dirty="0" smtClean="0">
+                <a:solidFill>
+                  <a:srgbClr val="FFFFFF"/>
+                </a:solidFill>
+                <a:latin typeface="Arial"/>
+                <a:cs typeface="Arial"/>
+              </a:rPr>
+              <a:t>é </a:t>
+            </a:r>
+            <a:r>
+              <a:rPr lang="pt-BR" sz="1600" b="1" spc="-85" dirty="0" smtClean="0">
+                <a:solidFill>
+                  <a:srgbClr val="FFFFFF"/>
+                </a:solidFill>
+                <a:latin typeface="Arial"/>
+                <a:cs typeface="Arial"/>
+              </a:rPr>
+              <a:t>superior ao </a:t>
+            </a:r>
+            <a:r>
+              <a:rPr lang="pt-BR" sz="1600" b="1" spc="-85" dirty="0" smtClean="0">
+                <a:solidFill>
+                  <a:srgbClr val="FFFFFF"/>
+                </a:solidFill>
+                <a:latin typeface="Arial"/>
+                <a:cs typeface="Arial"/>
+              </a:rPr>
+              <a:t>brasileiro</a:t>
             </a:r>
             <a:endParaRPr sz="1600" dirty="0">
               <a:latin typeface="Arial"/>
@@ -9152,7 +9476,7 @@
         <p:spPr>
           <a:xfrm>
             <a:off x="7391400" y="1733722"/>
-            <a:ext cx="6508750" cy="2002408"/>
+            <a:ext cx="6508750" cy="1558568"/>
           </a:xfrm>
           <a:prstGeom prst="rect">
             <a:avLst/>
@@ -9177,24 +9501,14 @@
                 <a:latin typeface="Arial" panose="020B0604020202020204" pitchFamily="34" charset="0"/>
                 <a:cs typeface="Arial" panose="020B0604020202020204" pitchFamily="34" charset="0"/>
               </a:rPr>
-              <a:t>Há uma diferença significativa entre o número de anúncios acessados no site do mercado livre brasileiro e o argentino.</a:t>
-            </a:r>
-          </a:p>
-          <a:p>
-            <a:pPr marL="12700" marR="1885950">
-              <a:lnSpc>
-                <a:spcPct val="102899"/>
-              </a:lnSpc>
-              <a:spcBef>
-                <a:spcPts val="40"/>
-              </a:spcBef>
-            </a:pPr>
+              <a:t>A taxa de rejição em sites representa o número de visitantes que acessaram apenas uma página antes de sair do site. </a:t>
+            </a:r>
             <a:r>
               <a:rPr lang="pt-BR" sz="1400" spc="105" dirty="0" smtClean="0">
                 <a:latin typeface="Arial" panose="020B0604020202020204" pitchFamily="34" charset="0"/>
                 <a:cs typeface="Arial" panose="020B0604020202020204" pitchFamily="34" charset="0"/>
               </a:rPr>
-              <a:t>Uma das possíveis causas seria a falta de compatibilidade entre o interesse do público ao acessar o site do Mercado Livre Argentino e o anúncio exibido a esse usuário.</a:t>
+              <a:t>É um importante parâmetro para medir o índice de assertividade do marketplace com seu consumidor final</a:t>
             </a:r>
             <a:endParaRPr lang="pt-BR" sz="1400" spc="105" dirty="0">
               <a:latin typeface="Arial" panose="020B0604020202020204" pitchFamily="34" charset="0"/>
@@ -9233,9 +9547,52 @@
           </a:p>
         </p:txBody>
       </p:sp>
+      <p:sp>
+        <p:nvSpPr>
+          <p:cNvPr id="12" name="object 6"/>
+          <p:cNvSpPr txBox="1"/>
+          <p:nvPr/>
+        </p:nvSpPr>
+        <p:spPr>
+          <a:xfrm>
+            <a:off x="187037" y="1955069"/>
+            <a:ext cx="5340927" cy="274562"/>
+          </a:xfrm>
+          <a:prstGeom prst="rect">
+            <a:avLst/>
+          </a:prstGeom>
+        </p:spPr>
+        <p:txBody>
+          <a:bodyPr vert="horz" wrap="square" lIns="0" tIns="5080" rIns="0" bIns="0" rtlCol="0">
+            <a:spAutoFit/>
+          </a:bodyPr>
+          <a:lstStyle/>
+          <a:p>
+            <a:pPr marL="12700" marR="1885950">
+              <a:lnSpc>
+                <a:spcPct val="102899"/>
+              </a:lnSpc>
+              <a:spcBef>
+                <a:spcPts val="40"/>
+              </a:spcBef>
+            </a:pPr>
+            <a:r>
+              <a:rPr lang="pt-BR" sz="1700" b="1" spc="105" dirty="0" smtClean="0">
+                <a:latin typeface="Trebuchet MS"/>
+                <a:cs typeface="Trebuchet MS"/>
+              </a:rPr>
+              <a:t>Taxa de rejeição do site</a:t>
+            </a:r>
+            <a:endParaRPr lang="pt-BR" sz="1700" b="1" spc="105" dirty="0">
+              <a:latin typeface="Trebuchet MS"/>
+              <a:cs typeface="Trebuchet MS"/>
+            </a:endParaRPr>
+          </a:p>
+        </p:txBody>
+      </p:sp>
       <p:pic>
         <p:nvPicPr>
-          <p:cNvPr id="11266" name="Picture 2"/>
+          <p:cNvPr id="1026" name="Picture 2"/>
           <p:cNvPicPr>
             <a:picLocks noChangeAspect="1" noChangeArrowheads="1"/>
           </p:cNvPicPr>
@@ -9256,8 +9613,8 @@
         </p:blipFill>
         <p:spPr bwMode="auto">
           <a:xfrm>
-            <a:off x="187037" y="2429919"/>
-            <a:ext cx="6988164" cy="4133312"/>
+            <a:off x="187037" y="2421216"/>
+            <a:ext cx="6795895" cy="4083829"/>
           </a:xfrm>
           <a:prstGeom prst="rect">
             <a:avLst/>
@@ -9297,49 +9654,6 @@
           </a:extLst>
         </p:spPr>
       </p:pic>
-      <p:sp>
-        <p:nvSpPr>
-          <p:cNvPr id="12" name="object 6"/>
-          <p:cNvSpPr txBox="1"/>
-          <p:nvPr/>
-        </p:nvSpPr>
-        <p:spPr>
-          <a:xfrm>
-            <a:off x="187037" y="1955069"/>
-            <a:ext cx="5340927" cy="257250"/>
-          </a:xfrm>
-          <a:prstGeom prst="rect">
-            <a:avLst/>
-          </a:prstGeom>
-        </p:spPr>
-        <p:txBody>
-          <a:bodyPr vert="horz" wrap="square" lIns="0" tIns="5080" rIns="0" bIns="0" rtlCol="0">
-            <a:spAutoFit/>
-          </a:bodyPr>
-          <a:lstStyle/>
-          <a:p>
-            <a:pPr marL="12700" marR="1885950">
-              <a:lnSpc>
-                <a:spcPct val="102899"/>
-              </a:lnSpc>
-              <a:spcBef>
-                <a:spcPts val="40"/>
-              </a:spcBef>
-            </a:pPr>
-            <a:r>
-              <a:rPr lang="pt-BR" sz="1700" b="1" spc="105" dirty="0" smtClean="0">
-                <a:latin typeface="Trebuchet MS"/>
-                <a:cs typeface="Trebuchet MS"/>
-              </a:rPr>
-              <a:t>Acessos a anúncios do site</a:t>
-            </a:r>
-            <a:endParaRPr lang="pt-BR" sz="1700" b="1" spc="105" dirty="0">
-              <a:latin typeface="Trebuchet MS"/>
-              <a:cs typeface="Trebuchet MS"/>
-            </a:endParaRPr>
-          </a:p>
-        </p:txBody>
-      </p:sp>
     </p:spTree>
     <p:extLst>
       <p:ext uri="{BB962C8B-B14F-4D97-AF65-F5344CB8AC3E}">
@@ -9499,7 +9813,7 @@
                 <a:latin typeface="Arial"/>
                 <a:cs typeface="Arial"/>
               </a:rPr>
-              <a:t>COMO O MARKETPLACE E O MERCADO ADS PODEM POTENCIALIZAR </a:t>
+              <a:t>COMO O MARKETPLACE E O MERCADO ADS PODEM </a:t>
             </a:r>
             <a:r>
               <a:rPr lang="pt-BR" dirty="0" smtClean="0">
@@ -9511,19 +9825,7 @@
                 <a:latin typeface="Arial"/>
                 <a:cs typeface="Arial"/>
               </a:rPr>
-              <a:t>SEUS </a:t>
-            </a:r>
-            <a:r>
-              <a:rPr lang="pt-BR" dirty="0">
-                <a:solidFill>
-                  <a:schemeClr val="bg1">
-                    <a:lumMod val="50000"/>
-                  </a:schemeClr>
-                </a:solidFill>
-                <a:latin typeface="Arial"/>
-                <a:cs typeface="Arial"/>
-              </a:rPr>
-              <a:t>RESULTADOS</a:t>
+              <a:t>TER SEUS RESULTADOS POTENCIALIZADOS </a:t>
             </a:r>
             <a:endParaRPr lang="en-US" dirty="0">
               <a:solidFill>
@@ -9943,7 +10245,7 @@
                 <a:latin typeface="Arial" panose="020B0604020202020204" pitchFamily="34" charset="0"/>
                 <a:cs typeface="Arial" panose="020B0604020202020204" pitchFamily="34" charset="0"/>
               </a:rPr>
-              <a:t>marketplace, sendo um modelo de negócio interdependente do Marketplace. Um ponto de destaque do estudo foi a diferença existente </a:t>
+              <a:t>marketplace, sendo um modelo de negócio </a:t>
             </a:r>
             <a:r>
               <a:rPr lang="pt-BR" sz="1400" dirty="0" smtClean="0">
@@ -9955,7 +10257,7 @@
                 <a:latin typeface="Arial" panose="020B0604020202020204" pitchFamily="34" charset="0"/>
                 <a:cs typeface="Arial" panose="020B0604020202020204" pitchFamily="34" charset="0"/>
               </a:rPr>
-              <a:t>nos acessos a anúncios do </a:t>
+              <a:t>interdependente. Um </a:t>
             </a:r>
             <a:r>
               <a:rPr lang="pt-BR" sz="1400" dirty="0" smtClean="0">
@@ -9967,8 +10269,29 @@
                 <a:latin typeface="Arial" panose="020B0604020202020204" pitchFamily="34" charset="0"/>
                 <a:cs typeface="Arial" panose="020B0604020202020204" pitchFamily="34" charset="0"/>
               </a:rPr>
-              <a:t>site argentino em comparação ao brasileiro.</a:t>
-            </a:r>
+              <a:t>ponto de destaque do estudo foi </a:t>
+            </a:r>
+            <a:r>
+              <a:rPr lang="pt-BR" sz="1400" dirty="0" smtClean="0">
+                <a:solidFill>
+                  <a:schemeClr val="bg1">
+                    <a:lumMod val="50000"/>
+                  </a:schemeClr>
+                </a:solidFill>
+                <a:latin typeface="Arial" panose="020B0604020202020204" pitchFamily="34" charset="0"/>
+                <a:cs typeface="Arial" panose="020B0604020202020204" pitchFamily="34" charset="0"/>
+              </a:rPr>
+              <a:t>taxa de rejeição do site argentino, que está próximo de 30%.</a:t>
+            </a:r>
+            <a:endParaRPr lang="pt-BR" sz="1400" dirty="0" smtClean="0">
+              <a:solidFill>
+                <a:schemeClr val="bg1">
+                  <a:lumMod val="50000"/>
+                </a:schemeClr>
+              </a:solidFill>
+              <a:latin typeface="Arial" panose="020B0604020202020204" pitchFamily="34" charset="0"/>
+              <a:cs typeface="Arial" panose="020B0604020202020204" pitchFamily="34" charset="0"/>
+            </a:endParaRPr>
           </a:p>
           <a:p>
             <a:pPr marL="12700">
@@ -10008,7 +10331,7 @@
                 <a:latin typeface="Arial" panose="020B0604020202020204" pitchFamily="34" charset="0"/>
                 <a:cs typeface="Arial" panose="020B0604020202020204" pitchFamily="34" charset="0"/>
               </a:rPr>
-              <a:t>A análise do caminho do usuário e sua motivação ao acessar o site permitiria posicionar de forma mais estratégica os anúncios, trazendo valor para a empresa anunciante e </a:t>
+              <a:t>A análise </a:t>
             </a:r>
             <a:r>
               <a:rPr lang="pt-BR" sz="1400" dirty="0" smtClean="0">
@@ -10020,7 +10343,7 @@
                 <a:latin typeface="Arial" panose="020B0604020202020204" pitchFamily="34" charset="0"/>
                 <a:cs typeface="Arial" panose="020B0604020202020204" pitchFamily="34" charset="0"/>
               </a:rPr>
-              <a:t>para o </a:t>
+              <a:t>da jornada do </a:t>
             </a:r>
             <a:r>
               <a:rPr lang="pt-BR" sz="1400" dirty="0" smtClean="0">
@@ -10032,8 +10355,41 @@
                 <a:latin typeface="Arial" panose="020B0604020202020204" pitchFamily="34" charset="0"/>
                 <a:cs typeface="Arial" panose="020B0604020202020204" pitchFamily="34" charset="0"/>
               </a:rPr>
-              <a:t>cliente.</a:t>
-            </a:r>
+              <a:t>usuário e sua motivação ao acessar o site permitiria posicionar de forma mais estratégica os anúncios, trazendo valor para a empresa anunciante e </a:t>
+            </a:r>
+            <a:r>
+              <a:rPr lang="pt-BR" sz="1400" dirty="0" smtClean="0">
+                <a:solidFill>
+                  <a:schemeClr val="bg1">
+                    <a:lumMod val="50000"/>
+                  </a:schemeClr>
+                </a:solidFill>
+                <a:latin typeface="Arial" panose="020B0604020202020204" pitchFamily="34" charset="0"/>
+                <a:cs typeface="Arial" panose="020B0604020202020204" pitchFamily="34" charset="0"/>
+              </a:rPr>
+              <a:t>para </a:t>
+            </a:r>
+            <a:r>
+              <a:rPr lang="pt-BR" sz="1400" smtClean="0">
+                <a:solidFill>
+                  <a:schemeClr val="bg1">
+                    <a:lumMod val="50000"/>
+                  </a:schemeClr>
+                </a:solidFill>
+                <a:latin typeface="Arial" panose="020B0604020202020204" pitchFamily="34" charset="0"/>
+                <a:cs typeface="Arial" panose="020B0604020202020204" pitchFamily="34" charset="0"/>
+              </a:rPr>
+              <a:t>o consumidor final.</a:t>
+            </a:r>
+            <a:endParaRPr lang="pt-BR" sz="1400" dirty="0" smtClean="0">
+              <a:solidFill>
+                <a:schemeClr val="bg1">
+                  <a:lumMod val="50000"/>
+                </a:schemeClr>
+              </a:solidFill>
+              <a:latin typeface="Arial" panose="020B0604020202020204" pitchFamily="34" charset="0"/>
+              <a:cs typeface="Arial" panose="020B0604020202020204" pitchFamily="34" charset="0"/>
+            </a:endParaRPr>
           </a:p>
         </p:txBody>
       </p:sp>
@@ -10052,7 +10408,7 @@
         <p:spPr>
           <a:xfrm>
             <a:off x="152400" y="4631955"/>
-            <a:ext cx="5017702" cy="1762021"/>
+            <a:ext cx="5017702" cy="1977464"/>
           </a:xfrm>
           <a:prstGeom prst="rect">
             <a:avLst/>
@@ -10082,7 +10438,79 @@
                 <a:latin typeface="Arial" panose="020B0604020202020204" pitchFamily="34" charset="0"/>
                 <a:cs typeface="Arial" panose="020B0604020202020204" pitchFamily="34" charset="0"/>
               </a:rPr>
-              <a:t>O Marketplace é onde ocorre toda a jornada de compra, desde da visualização inicial do usuário, até o pós venda. O estudo permitiu identificar que um </a:t>
+              <a:t>O Marketplace é onde ocorre toda a jornada de compra, desde </a:t>
+            </a:r>
+            <a:r>
+              <a:rPr lang="pt-BR" sz="1400" dirty="0" smtClean="0">
+                <a:solidFill>
+                  <a:schemeClr val="bg1">
+                    <a:lumMod val="50000"/>
+                  </a:schemeClr>
+                </a:solidFill>
+                <a:latin typeface="Arial" panose="020B0604020202020204" pitchFamily="34" charset="0"/>
+                <a:cs typeface="Arial" panose="020B0604020202020204" pitchFamily="34" charset="0"/>
+              </a:rPr>
+              <a:t>a </a:t>
+            </a:r>
+            <a:r>
+              <a:rPr lang="pt-BR" sz="1400" dirty="0" smtClean="0">
+                <a:solidFill>
+                  <a:schemeClr val="bg1">
+                    <a:lumMod val="50000"/>
+                  </a:schemeClr>
+                </a:solidFill>
+                <a:latin typeface="Arial" panose="020B0604020202020204" pitchFamily="34" charset="0"/>
+                <a:cs typeface="Arial" panose="020B0604020202020204" pitchFamily="34" charset="0"/>
+              </a:rPr>
+              <a:t>visualização inicial do </a:t>
+            </a:r>
+            <a:r>
+              <a:rPr lang="pt-BR" sz="1400" dirty="0" smtClean="0">
+                <a:solidFill>
+                  <a:schemeClr val="bg1">
+                    <a:lumMod val="50000"/>
+                  </a:schemeClr>
+                </a:solidFill>
+                <a:latin typeface="Arial" panose="020B0604020202020204" pitchFamily="34" charset="0"/>
+                <a:cs typeface="Arial" panose="020B0604020202020204" pitchFamily="34" charset="0"/>
+              </a:rPr>
+              <a:t>usuário até </a:t>
+            </a:r>
+            <a:r>
+              <a:rPr lang="pt-BR" sz="1400" dirty="0" smtClean="0">
+                <a:solidFill>
+                  <a:schemeClr val="bg1">
+                    <a:lumMod val="50000"/>
+                  </a:schemeClr>
+                </a:solidFill>
+                <a:latin typeface="Arial" panose="020B0604020202020204" pitchFamily="34" charset="0"/>
+                <a:cs typeface="Arial" panose="020B0604020202020204" pitchFamily="34" charset="0"/>
+              </a:rPr>
+              <a:t>o pós venda. O estudo </a:t>
+            </a:r>
+            <a:r>
+              <a:rPr lang="pt-BR" sz="1400" dirty="0" smtClean="0">
+                <a:solidFill>
+                  <a:schemeClr val="bg1">
+                    <a:lumMod val="50000"/>
+                  </a:schemeClr>
+                </a:solidFill>
+                <a:latin typeface="Arial" panose="020B0604020202020204" pitchFamily="34" charset="0"/>
+                <a:cs typeface="Arial" panose="020B0604020202020204" pitchFamily="34" charset="0"/>
+              </a:rPr>
+              <a:t>permitiu identificar </a:t>
+            </a:r>
+            <a:r>
+              <a:rPr lang="pt-BR" sz="1400" dirty="0" smtClean="0">
+                <a:solidFill>
+                  <a:schemeClr val="bg1">
+                    <a:lumMod val="50000"/>
+                  </a:schemeClr>
+                </a:solidFill>
+                <a:latin typeface="Arial" panose="020B0604020202020204" pitchFamily="34" charset="0"/>
+                <a:cs typeface="Arial" panose="020B0604020202020204" pitchFamily="34" charset="0"/>
+              </a:rPr>
+              <a:t>que um </a:t>
             </a:r>
             <a:r>
               <a:rPr lang="pt-BR" sz="1400" dirty="0" smtClean="0">
@@ -10147,7 +10575,43 @@
                 <a:latin typeface="Arial" panose="020B0604020202020204" pitchFamily="34" charset="0"/>
                 <a:cs typeface="Arial" panose="020B0604020202020204" pitchFamily="34" charset="0"/>
               </a:rPr>
-              <a:t>Sendo assim, a solução proposta seria uma recuperação de venda perdida utilizado o whatsapp, desde que exista o opt in daquele usuário, respeitando as regras de LGPD.</a:t>
+              <a:t>Sendo assim, a solução proposta seria uma recuperação de venda perdida </a:t>
+            </a:r>
+            <a:r>
+              <a:rPr lang="pt-BR" sz="1400" dirty="0" smtClean="0">
+                <a:solidFill>
+                  <a:schemeClr val="bg1">
+                    <a:lumMod val="50000"/>
+                  </a:schemeClr>
+                </a:solidFill>
+                <a:latin typeface="Arial" panose="020B0604020202020204" pitchFamily="34" charset="0"/>
+                <a:cs typeface="Arial" panose="020B0604020202020204" pitchFamily="34" charset="0"/>
+              </a:rPr>
+              <a:t>utilizando </a:t>
+            </a:r>
+            <a:r>
+              <a:rPr lang="pt-BR" sz="1400" dirty="0" smtClean="0">
+                <a:solidFill>
+                  <a:schemeClr val="bg1">
+                    <a:lumMod val="50000"/>
+                  </a:schemeClr>
+                </a:solidFill>
+                <a:latin typeface="Arial" panose="020B0604020202020204" pitchFamily="34" charset="0"/>
+                <a:cs typeface="Arial" panose="020B0604020202020204" pitchFamily="34" charset="0"/>
+              </a:rPr>
+              <a:t>o whatsapp, desde que exista o opt in daquele usuário, respeitando as regras de </a:t>
+            </a:r>
+            <a:r>
+              <a:rPr lang="pt-BR" sz="1400" dirty="0" smtClean="0">
+                <a:solidFill>
+                  <a:schemeClr val="bg1">
+                    <a:lumMod val="50000"/>
+                  </a:schemeClr>
+                </a:solidFill>
+                <a:latin typeface="Arial" panose="020B0604020202020204" pitchFamily="34" charset="0"/>
+                <a:cs typeface="Arial" panose="020B0604020202020204" pitchFamily="34" charset="0"/>
+              </a:rPr>
+              <a:t>privacidade de dados.</a:t>
             </a:r>
             <a:endParaRPr sz="1400" dirty="0">
               <a:solidFill>
@@ -10378,7 +10842,31 @@
                 <a:latin typeface="Arial" panose="020B0604020202020204" pitchFamily="34" charset="0"/>
                 <a:cs typeface="Arial" panose="020B0604020202020204" pitchFamily="34" charset="0"/>
               </a:rPr>
-              <a:t>COMO CUSTOMIZAR O RELACIONAMENTO COM O CLIENTE DO MARKETPLACE ATRAVÉS DA INTELIGÊNCIA DE DADOS</a:t>
+              <a:t>COMO CUSTOMIZAR O RELACIONAMENTO COM </a:t>
+            </a:r>
+            <a:r>
+              <a:rPr lang="pt-BR" dirty="0" smtClean="0">
+                <a:solidFill>
+                  <a:schemeClr val="bg1">
+                    <a:lumMod val="50000"/>
+                  </a:schemeClr>
+                </a:solidFill>
+                <a:latin typeface="Arial" panose="020B0604020202020204" pitchFamily="34" charset="0"/>
+                <a:cs typeface="Arial" panose="020B0604020202020204" pitchFamily="34" charset="0"/>
+              </a:rPr>
+              <a:t>O CONSUMIDOR FINAL DO </a:t>
+            </a:r>
+            <a:r>
+              <a:rPr lang="pt-BR" dirty="0" smtClean="0">
+                <a:solidFill>
+                  <a:schemeClr val="bg1">
+                    <a:lumMod val="50000"/>
+                  </a:schemeClr>
+                </a:solidFill>
+                <a:latin typeface="Arial" panose="020B0604020202020204" pitchFamily="34" charset="0"/>
+                <a:cs typeface="Arial" panose="020B0604020202020204" pitchFamily="34" charset="0"/>
+              </a:rPr>
+              <a:t>MARKETPLACE ATRAVÉS DA INTELIGÊNCIA DE DADOS</a:t>
             </a:r>
             <a:endParaRPr lang="pt-BR" dirty="0">
               <a:solidFill>
@@ -10592,7 +11080,107 @@
                 <a:latin typeface="Arial" panose="020B0604020202020204" pitchFamily="34" charset="0"/>
                 <a:cs typeface="Arial" panose="020B0604020202020204" pitchFamily="34" charset="0"/>
               </a:rPr>
-              <a:t>Com a utilização de dados internos, tais como: idade, genero, ticket médio e histórico de compra, seria possível definir clusters de público alvo, onde cada cluster possuíria características distintas que definiria o meio de comunicação utilizado com esse público, recomendação de produto e periodicidade de contato, construindo uma jornada customizada.</a:t>
+              <a:t>Com a utilização de dados internos, tais </a:t>
+            </a:r>
+            <a:r>
+              <a:rPr lang="pt-BR" sz="1600" dirty="0" smtClean="0">
+                <a:solidFill>
+                  <a:schemeClr val="bg1"/>
+                </a:solidFill>
+                <a:latin typeface="Arial" panose="020B0604020202020204" pitchFamily="34" charset="0"/>
+                <a:cs typeface="Arial" panose="020B0604020202020204" pitchFamily="34" charset="0"/>
+              </a:rPr>
+              <a:t>como </a:t>
+            </a:r>
+            <a:r>
+              <a:rPr lang="pt-BR" sz="1600" dirty="0" smtClean="0">
+                <a:solidFill>
+                  <a:schemeClr val="bg1"/>
+                </a:solidFill>
+                <a:latin typeface="Arial" panose="020B0604020202020204" pitchFamily="34" charset="0"/>
+                <a:cs typeface="Arial" panose="020B0604020202020204" pitchFamily="34" charset="0"/>
+              </a:rPr>
+              <a:t>idade, </a:t>
+            </a:r>
+            <a:r>
+              <a:rPr lang="pt-BR" sz="1600" dirty="0" smtClean="0">
+                <a:solidFill>
+                  <a:schemeClr val="bg1"/>
+                </a:solidFill>
+                <a:latin typeface="Arial" panose="020B0604020202020204" pitchFamily="34" charset="0"/>
+                <a:cs typeface="Arial" panose="020B0604020202020204" pitchFamily="34" charset="0"/>
+              </a:rPr>
+              <a:t>gênero</a:t>
+            </a:r>
+            <a:r>
+              <a:rPr lang="pt-BR" sz="1600" dirty="0" smtClean="0">
+                <a:solidFill>
+                  <a:schemeClr val="bg1"/>
+                </a:solidFill>
+                <a:latin typeface="Arial" panose="020B0604020202020204" pitchFamily="34" charset="0"/>
+                <a:cs typeface="Arial" panose="020B0604020202020204" pitchFamily="34" charset="0"/>
+              </a:rPr>
+              <a:t>, ticket médio e histórico de compra, seria possível definir clusters de público alvo, onde cada cluster possuíria características distintas que definiria o meio de comunicação </a:t>
+            </a:r>
+            <a:r>
+              <a:rPr lang="pt-BR" sz="1600" dirty="0" smtClean="0">
+                <a:solidFill>
+                  <a:schemeClr val="bg1"/>
+                </a:solidFill>
+                <a:latin typeface="Arial" panose="020B0604020202020204" pitchFamily="34" charset="0"/>
+                <a:cs typeface="Arial" panose="020B0604020202020204" pitchFamily="34" charset="0"/>
+              </a:rPr>
+              <a:t>ideal a ser utilizado </a:t>
+            </a:r>
+            <a:r>
+              <a:rPr lang="pt-BR" sz="1600" dirty="0" smtClean="0">
+                <a:solidFill>
+                  <a:schemeClr val="bg1"/>
+                </a:solidFill>
+                <a:latin typeface="Arial" panose="020B0604020202020204" pitchFamily="34" charset="0"/>
+                <a:cs typeface="Arial" panose="020B0604020202020204" pitchFamily="34" charset="0"/>
+              </a:rPr>
+              <a:t>com esse público</a:t>
+            </a:r>
+            <a:r>
+              <a:rPr lang="pt-BR" sz="1600" dirty="0" smtClean="0">
+                <a:solidFill>
+                  <a:schemeClr val="bg1"/>
+                </a:solidFill>
+                <a:latin typeface="Arial" panose="020B0604020202020204" pitchFamily="34" charset="0"/>
+                <a:cs typeface="Arial" panose="020B0604020202020204" pitchFamily="34" charset="0"/>
+              </a:rPr>
+              <a:t>, bem como </a:t>
+            </a:r>
+            <a:r>
+              <a:rPr lang="pt-BR" sz="1600" dirty="0" smtClean="0">
+                <a:solidFill>
+                  <a:schemeClr val="bg1"/>
+                </a:solidFill>
+                <a:latin typeface="Arial" panose="020B0604020202020204" pitchFamily="34" charset="0"/>
+                <a:cs typeface="Arial" panose="020B0604020202020204" pitchFamily="34" charset="0"/>
+              </a:rPr>
+              <a:t>recomendação de </a:t>
+            </a:r>
+            <a:r>
+              <a:rPr lang="pt-BR" sz="1600" dirty="0" smtClean="0">
+                <a:solidFill>
+                  <a:schemeClr val="bg1"/>
+                </a:solidFill>
+                <a:latin typeface="Arial" panose="020B0604020202020204" pitchFamily="34" charset="0"/>
+                <a:cs typeface="Arial" panose="020B0604020202020204" pitchFamily="34" charset="0"/>
+              </a:rPr>
+              <a:t>produtos </a:t>
+            </a:r>
+            <a:r>
+              <a:rPr lang="pt-BR" sz="1600" dirty="0" smtClean="0">
+                <a:solidFill>
+                  <a:schemeClr val="bg1"/>
+                </a:solidFill>
+                <a:latin typeface="Arial" panose="020B0604020202020204" pitchFamily="34" charset="0"/>
+                <a:cs typeface="Arial" panose="020B0604020202020204" pitchFamily="34" charset="0"/>
+              </a:rPr>
+              <a:t>e periodicidade de contato, construindo uma jornada customizada.</a:t>
             </a:r>
           </a:p>
         </p:txBody>
@@ -10740,7 +11328,7 @@
           <p:nvPr>
             <p:extLst>
               <p:ext uri="{D42A27DB-BD31-4B8C-83A1-F6EECF244321}">
-                <p14:modId xmlns:p14="http://schemas.microsoft.com/office/powerpoint/2010/main" val="314371293"/>
+                <p14:modId xmlns:p14="http://schemas.microsoft.com/office/powerpoint/2010/main" val="3174083100"/>
               </p:ext>
             </p:extLst>
           </p:nvPr>
@@ -10904,11 +11492,18 @@
               <a:t>Dados </a:t>
             </a:r>
             <a:r>
+              <a:rPr lang="pt-BR" sz="1600" dirty="0" smtClean="0">
+                <a:latin typeface="Arial" panose="020B0604020202020204" pitchFamily="34" charset="0"/>
+                <a:cs typeface="Arial" panose="020B0604020202020204" pitchFamily="34" charset="0"/>
+              </a:rPr>
+              <a:t>Sênior</a:t>
+            </a:r>
+            <a:r>
               <a:rPr lang="pt-BR" sz="1600" dirty="0">
                 <a:latin typeface="Arial" panose="020B0604020202020204" pitchFamily="34" charset="0"/>
                 <a:cs typeface="Arial" panose="020B0604020202020204" pitchFamily="34" charset="0"/>
               </a:rPr>
-              <a:t>Senior, construíndo o ELT e orquestrando </a:t>
+              <a:t>, construíndo o ELT e orquestrando </a:t>
             </a:r>
             <a:r>
               <a:rPr lang="pt-BR" sz="1600" dirty="0" smtClean="0">
@@ -11474,7 +12069,7 @@
           <a:lstStyle/>
           <a:p>
             <a:r>
-              <a:rPr lang="pt-BR">
+              <a:rPr lang="pt-BR" dirty="0">
                 <a:solidFill>
                   <a:schemeClr val="bg1">
                     <a:lumMod val="50000"/>
@@ -11486,7 +12081,7 @@
               <a:t>LEVANTAMENTO DE CARACTERÍSTICAS </a:t>
             </a:r>
             <a:r>
-              <a:rPr lang="pt-BR" dirty="0">
+              <a:rPr lang="pt-BR" dirty="0" smtClean="0">
                 <a:solidFill>
                   <a:schemeClr val="bg1">
                     <a:lumMod val="50000"/>
@@ -11495,7 +12090,55 @@
                 <a:latin typeface="Arial"/>
                 <a:cs typeface="Arial"/>
               </a:rPr>
-              <a:t>MACROECONOMICAS DA POPULAÇÃO ARGENTINA, COMPARANDO COM A REALIDADE EXISTENTE NO BRASIL</a:t>
+              <a:t>MACROECONÔMICAS </a:t>
+            </a:r>
+            <a:r>
+              <a:rPr lang="pt-BR" dirty="0">
+                <a:solidFill>
+                  <a:schemeClr val="bg1">
+                    <a:lumMod val="50000"/>
+                  </a:schemeClr>
+                </a:solidFill>
+                <a:latin typeface="Arial"/>
+                <a:cs typeface="Arial"/>
+              </a:rPr>
+              <a:t>DA </a:t>
+            </a:r>
+            <a:r>
+              <a:rPr lang="pt-BR" dirty="0">
+                <a:solidFill>
+                  <a:schemeClr val="bg1">
+                    <a:lumMod val="50000"/>
+                  </a:schemeClr>
+                </a:solidFill>
+                <a:latin typeface="Arial"/>
+                <a:cs typeface="Arial"/>
+              </a:rPr>
+              <a:t> </a:t>
+            </a:r>
+            <a:r>
+              <a:rPr lang="pt-BR" dirty="0" smtClean="0">
+                <a:solidFill>
+                  <a:schemeClr val="bg1">
+                    <a:lumMod val="50000"/>
+                  </a:schemeClr>
+                </a:solidFill>
+                <a:latin typeface="Arial"/>
+                <a:cs typeface="Arial"/>
+              </a:rPr>
+              <a:t>ARGENTINA</a:t>
+            </a:r>
+            <a:r>
+              <a:rPr lang="pt-BR" dirty="0">
+                <a:solidFill>
+                  <a:schemeClr val="bg1">
+                    <a:lumMod val="50000"/>
+                  </a:schemeClr>
+                </a:solidFill>
+                <a:latin typeface="Arial"/>
+                <a:cs typeface="Arial"/>
+              </a:rPr>
+              <a:t>, COMPARANDO COM A REALIDADE EXISTENTE NO BRASIL</a:t>
             </a:r>
             <a:endParaRPr lang="en-US" dirty="0">
               <a:solidFill>
@@ -11740,7 +12383,14 @@
                 <a:latin typeface="Arial" panose="020B0604020202020204" pitchFamily="34" charset="0"/>
                 <a:cs typeface="Arial" panose="020B0604020202020204" pitchFamily="34" charset="0"/>
               </a:rPr>
-              <a:t>A Argentina possui o 24º maior PIB do mundo, segundo estimativas do FMI de 2022, sendo a segunda maior economia da América do Sul, estando atrás apenas do Brasil, que ocupa a 12ª colocação.</a:t>
+              <a:t>A Argentina possui o 24º maior PIB do mundo, segundo estimativas do FMI de 2022, sendo a segunda maior economia da América do Sul, estando atrás apenas do Brasil, que ocupa a 12ª </a:t>
+            </a:r>
+            <a:r>
+              <a:rPr lang="pt-BR" sz="1400" spc="105" dirty="0" smtClean="0">
+                <a:latin typeface="Arial" panose="020B0604020202020204" pitchFamily="34" charset="0"/>
+                <a:cs typeface="Arial" panose="020B0604020202020204" pitchFamily="34" charset="0"/>
+              </a:rPr>
+              <a:t>colocação geral.</a:t>
             </a:r>
             <a:r>
               <a:rPr lang="pt-BR" sz="1400" spc="105" dirty="0">
@@ -11774,7 +12424,21 @@
                 <a:latin typeface="Arial" panose="020B0604020202020204" pitchFamily="34" charset="0"/>
                 <a:cs typeface="Arial" panose="020B0604020202020204" pitchFamily="34" charset="0"/>
               </a:rPr>
-              <a:t>A compração entre os dados macroeconomicos dos dois países nos permitirá dimensionar o potencial e performance esperada nos serviços Marketplace e Mercado Livre Ads nos dois países.</a:t>
+              <a:t>A compração entre os dados </a:t>
+            </a:r>
+            <a:r>
+              <a:rPr lang="pt-BR" sz="1400" spc="105" dirty="0" smtClean="0">
+                <a:latin typeface="Arial" panose="020B0604020202020204" pitchFamily="34" charset="0"/>
+                <a:cs typeface="Arial" panose="020B0604020202020204" pitchFamily="34" charset="0"/>
+              </a:rPr>
+              <a:t>macroeconômicos </a:t>
+            </a:r>
+            <a:r>
+              <a:rPr lang="pt-BR" sz="1400" spc="105" dirty="0" smtClean="0">
+                <a:latin typeface="Arial" panose="020B0604020202020204" pitchFamily="34" charset="0"/>
+                <a:cs typeface="Arial" panose="020B0604020202020204" pitchFamily="34" charset="0"/>
+              </a:rPr>
+              <a:t>dos dois países nos permitirá dimensionar o potencial e performance esperada nos serviços Marketplace e Mercado Livre Ads nos dois países.</a:t>
             </a:r>
             <a:endParaRPr lang="pt-BR" sz="1400" spc="105" dirty="0">
               <a:latin typeface="Arial" panose="020B0604020202020204" pitchFamily="34" charset="0"/>
@@ -12085,7 +12749,27 @@
                 <a:latin typeface="Arial"/>
                 <a:cs typeface="Arial"/>
               </a:rPr>
-              <a:t>A população economicamente ativa do Brasil é maior que a Argentina em 3,7 x. O que leva a esperar um resultado em termos de receita maior no Brasil.</a:t>
+              <a:t>A população economicamente ativa do Brasil é maior que a Argentina em 3,7 </a:t>
+            </a:r>
+            <a:r>
+              <a:rPr lang="pt-BR" sz="1400" b="1" spc="-85" dirty="0" smtClean="0">
+                <a:solidFill>
+                  <a:srgbClr val="FFFFFF"/>
+                </a:solidFill>
+                <a:latin typeface="Arial"/>
+                <a:cs typeface="Arial"/>
+              </a:rPr>
+              <a:t>x. Por isso, espera-se um </a:t>
+            </a:r>
+            <a:r>
+              <a:rPr lang="pt-BR" sz="1400" b="1" spc="-85" dirty="0" smtClean="0">
+                <a:solidFill>
+                  <a:srgbClr val="FFFFFF"/>
+                </a:solidFill>
+                <a:latin typeface="Arial"/>
+                <a:cs typeface="Arial"/>
+              </a:rPr>
+              <a:t>resultado em termos de receita maior no Brasil.</a:t>
             </a:r>
             <a:endParaRPr sz="1600" dirty="0">
               <a:latin typeface="Arial"/>
@@ -12109,7 +12793,7 @@
         <p:spPr>
           <a:xfrm>
             <a:off x="730250" y="1747225"/>
-            <a:ext cx="6508750" cy="1558568"/>
+            <a:ext cx="6508750" cy="1780487"/>
           </a:xfrm>
           <a:prstGeom prst="rect">
             <a:avLst/>
@@ -12130,39 +12814,32 @@
               </a:spcBef>
             </a:pPr>
             <a:r>
+              <a:rPr lang="pt-BR" sz="1400" spc="105" dirty="0" smtClean="0">
+                <a:latin typeface="Arial" panose="020B0604020202020204" pitchFamily="34" charset="0"/>
+                <a:cs typeface="Arial" panose="020B0604020202020204" pitchFamily="34" charset="0"/>
+              </a:rPr>
+              <a:t>O dimensionamento do </a:t>
+            </a:r>
+            <a:r>
               <a:rPr lang="pt-BR" sz="1400" spc="105" dirty="0">
                 <a:latin typeface="Arial" panose="020B0604020202020204" pitchFamily="34" charset="0"/>
                 <a:cs typeface="Arial" panose="020B0604020202020204" pitchFamily="34" charset="0"/>
               </a:rPr>
-              <a:t>A fim de </a:t>
+              <a:t>mercado potencial do comércio </a:t>
             </a:r>
             <a:r>
               <a:rPr lang="pt-BR" sz="1400" spc="105" dirty="0" smtClean="0">
                 <a:latin typeface="Arial" panose="020B0604020202020204" pitchFamily="34" charset="0"/>
                 <a:cs typeface="Arial" panose="020B0604020202020204" pitchFamily="34" charset="0"/>
               </a:rPr>
-              <a:t>dimensionar </a:t>
+              <a:t>eletrônico se deu em relação ao </a:t>
             </a:r>
             <a:r>
               <a:rPr lang="pt-BR" sz="1400" spc="105" dirty="0">
                 <a:latin typeface="Arial" panose="020B0604020202020204" pitchFamily="34" charset="0"/>
                 <a:cs typeface="Arial" panose="020B0604020202020204" pitchFamily="34" charset="0"/>
               </a:rPr>
-              <a:t>o mercado potencial do comércio eletrônico, foi </a:t>
-            </a:r>
-            <a:r>
-              <a:rPr lang="pt-BR" sz="1400" spc="105" dirty="0" smtClean="0">
-                <a:latin typeface="Arial" panose="020B0604020202020204" pitchFamily="34" charset="0"/>
-                <a:cs typeface="Arial" panose="020B0604020202020204" pitchFamily="34" charset="0"/>
-              </a:rPr>
-              <a:t>utilizado </a:t>
-            </a:r>
-            <a:r>
-              <a:rPr lang="pt-BR" sz="1400" spc="105" dirty="0">
-                <a:latin typeface="Arial" panose="020B0604020202020204" pitchFamily="34" charset="0"/>
-                <a:cs typeface="Arial" panose="020B0604020202020204" pitchFamily="34" charset="0"/>
-              </a:rPr>
-              <a:t>o total de população economicamente ativa.</a:t>
+              <a:t>total de população economicamente ativa.</a:t>
             </a:r>
           </a:p>
           <a:p>
@@ -12193,7 +12870,35 @@
                 <a:latin typeface="Arial" panose="020B0604020202020204" pitchFamily="34" charset="0"/>
                 <a:cs typeface="Arial" panose="020B0604020202020204" pitchFamily="34" charset="0"/>
               </a:rPr>
-              <a:t>Já para a identificação do potencial de gasto por habitante, foi realizada a divisão do consumo final total, pela população economicamente </a:t>
+              <a:t>Já </a:t>
+            </a:r>
+            <a:r>
+              <a:rPr lang="pt-BR" sz="1400" spc="105" dirty="0" smtClean="0">
+                <a:latin typeface="Arial" panose="020B0604020202020204" pitchFamily="34" charset="0"/>
+                <a:cs typeface="Arial" panose="020B0604020202020204" pitchFamily="34" charset="0"/>
+              </a:rPr>
+              <a:t>para a identificação </a:t>
+            </a:r>
+            <a:r>
+              <a:rPr lang="pt-BR" sz="1400" spc="105" dirty="0">
+                <a:latin typeface="Arial" panose="020B0604020202020204" pitchFamily="34" charset="0"/>
+                <a:cs typeface="Arial" panose="020B0604020202020204" pitchFamily="34" charset="0"/>
+              </a:rPr>
+              <a:t>do potencial de gasto por habitante, foi </a:t>
+            </a:r>
+            <a:r>
+              <a:rPr lang="pt-BR" sz="1400" spc="105" dirty="0" smtClean="0">
+                <a:latin typeface="Arial" panose="020B0604020202020204" pitchFamily="34" charset="0"/>
+                <a:cs typeface="Arial" panose="020B0604020202020204" pitchFamily="34" charset="0"/>
+              </a:rPr>
+              <a:t>utilizado o dado de gasto mensal com consumo pela </a:t>
+            </a:r>
+            <a:r>
+              <a:rPr lang="pt-BR" sz="1400" spc="105" dirty="0">
+                <a:latin typeface="Arial" panose="020B0604020202020204" pitchFamily="34" charset="0"/>
+                <a:cs typeface="Arial" panose="020B0604020202020204" pitchFamily="34" charset="0"/>
+              </a:rPr>
+              <a:t>população economicamente </a:t>
             </a:r>
             <a:r>
               <a:rPr lang="pt-BR" sz="1400" spc="105" dirty="0" smtClean="0">
@@ -12660,7 +13365,49 @@
                 <a:latin typeface="Arial" panose="020B0604020202020204" pitchFamily="34" charset="0"/>
                 <a:cs typeface="Arial" panose="020B0604020202020204" pitchFamily="34" charset="0"/>
               </a:rPr>
-              <a:t>Assim como os dados mundiais, a economia Argentina sofreu retração por conta da Pandemia, impactando o mercado de trabalho e o Produto Interno Bruto, tendo seu pior resultado em 2020</a:t>
+              <a:t>Assim como </a:t>
+            </a:r>
+            <a:r>
+              <a:rPr lang="pt-BR" sz="1400" spc="105" dirty="0" smtClean="0">
+                <a:latin typeface="Arial" panose="020B0604020202020204" pitchFamily="34" charset="0"/>
+                <a:cs typeface="Arial" panose="020B0604020202020204" pitchFamily="34" charset="0"/>
+              </a:rPr>
+              <a:t>o restante do mundo, </a:t>
+            </a:r>
+            <a:r>
+              <a:rPr lang="pt-BR" sz="1400" spc="105" dirty="0" smtClean="0">
+                <a:latin typeface="Arial" panose="020B0604020202020204" pitchFamily="34" charset="0"/>
+                <a:cs typeface="Arial" panose="020B0604020202020204" pitchFamily="34" charset="0"/>
+              </a:rPr>
+              <a:t>a economia </a:t>
+            </a:r>
+            <a:r>
+              <a:rPr lang="pt-BR" sz="1400" spc="105" dirty="0" smtClean="0">
+                <a:latin typeface="Arial" panose="020B0604020202020204" pitchFamily="34" charset="0"/>
+                <a:cs typeface="Arial" panose="020B0604020202020204" pitchFamily="34" charset="0"/>
+              </a:rPr>
+              <a:t>argentina </a:t>
+            </a:r>
+            <a:r>
+              <a:rPr lang="pt-BR" sz="1400" spc="105" dirty="0" smtClean="0">
+                <a:latin typeface="Arial" panose="020B0604020202020204" pitchFamily="34" charset="0"/>
+                <a:cs typeface="Arial" panose="020B0604020202020204" pitchFamily="34" charset="0"/>
+              </a:rPr>
+              <a:t>sofreu retração por conta da </a:t>
+            </a:r>
+            <a:r>
+              <a:rPr lang="pt-BR" sz="1400" spc="105" dirty="0" smtClean="0">
+                <a:latin typeface="Arial" panose="020B0604020202020204" pitchFamily="34" charset="0"/>
+                <a:cs typeface="Arial" panose="020B0604020202020204" pitchFamily="34" charset="0"/>
+              </a:rPr>
+              <a:t>pandemia</a:t>
+            </a:r>
+            <a:r>
+              <a:rPr lang="pt-BR" sz="1400" spc="105" dirty="0" smtClean="0">
+                <a:latin typeface="Arial" panose="020B0604020202020204" pitchFamily="34" charset="0"/>
+                <a:cs typeface="Arial" panose="020B0604020202020204" pitchFamily="34" charset="0"/>
+              </a:rPr>
+              <a:t>, impactando o mercado de trabalho e o Produto Interno Bruto, tendo seu pior resultado em 2020</a:t>
             </a:r>
             <a:r>
               <a:rPr lang="pt-BR" sz="1400" spc="105" dirty="0" smtClean="0">
@@ -13350,7 +14097,21 @@
                 <a:latin typeface="Arial" panose="020B0604020202020204" pitchFamily="34" charset="0"/>
                 <a:cs typeface="Arial" panose="020B0604020202020204" pitchFamily="34" charset="0"/>
               </a:rPr>
-              <a:t>Elevar a taxa de juros é uma das estratégias utilizadas pelo governo para conter aumento excessivo da inflação, e foi muito utilizado </a:t>
+              <a:t>Elevar a taxa de juros é uma das estratégias utilizadas pelo governo para conter aumento excessivo da </a:t>
+            </a:r>
+            <a:r>
+              <a:rPr lang="pt-BR" sz="1400" spc="105" dirty="0" smtClean="0">
+                <a:latin typeface="Arial" panose="020B0604020202020204" pitchFamily="34" charset="0"/>
+                <a:cs typeface="Arial" panose="020B0604020202020204" pitchFamily="34" charset="0"/>
+              </a:rPr>
+              <a:t>inflação </a:t>
+            </a:r>
+            <a:r>
+              <a:rPr lang="pt-BR" sz="1400" spc="105" dirty="0" smtClean="0">
+                <a:latin typeface="Arial" panose="020B0604020202020204" pitchFamily="34" charset="0"/>
+                <a:cs typeface="Arial" panose="020B0604020202020204" pitchFamily="34" charset="0"/>
+              </a:rPr>
+              <a:t>e foi muito utilizado </a:t>
             </a:r>
             <a:r>
               <a:rPr lang="pt-BR" sz="1400" spc="105" dirty="0" smtClean="0">
@@ -13703,7 +14464,14 @@
                 <a:latin typeface="Trebuchet MS"/>
                 <a:cs typeface="Trebuchet MS"/>
               </a:rPr>
-              <a:t>Taxa de juros Bancária (%)</a:t>
+              <a:t>Taxa de juros </a:t>
+            </a:r>
+            <a:r>
+              <a:rPr lang="pt-BR" sz="1700" b="1" spc="105" dirty="0" smtClean="0">
+                <a:latin typeface="Trebuchet MS"/>
+                <a:cs typeface="Trebuchet MS"/>
+              </a:rPr>
+              <a:t>Bancária(%)</a:t>
             </a:r>
             <a:endParaRPr lang="pt-BR" sz="1700" b="1" spc="105" dirty="0">
               <a:latin typeface="Trebuchet MS"/>
@@ -13947,7 +14715,7 @@
         <p:spPr>
           <a:xfrm>
             <a:off x="7391400" y="1733722"/>
-            <a:ext cx="6508750" cy="1100109"/>
+            <a:ext cx="6508750" cy="1114729"/>
           </a:xfrm>
           <a:prstGeom prst="rect">
             <a:avLst/>
@@ -13993,7 +14761,35 @@
                 <a:latin typeface="Arial" panose="020B0604020202020204" pitchFamily="34" charset="0"/>
                 <a:cs typeface="Arial" panose="020B0604020202020204" pitchFamily="34" charset="0"/>
               </a:rPr>
-              <a:t>a econômia Argentina.</a:t>
+              <a:t>a </a:t>
+            </a:r>
+            <a:r>
+              <a:rPr lang="pt-BR" sz="1400" spc="105" dirty="0" smtClean="0">
+                <a:latin typeface="Arial" panose="020B0604020202020204" pitchFamily="34" charset="0"/>
+                <a:cs typeface="Arial" panose="020B0604020202020204" pitchFamily="34" charset="0"/>
+              </a:rPr>
+              <a:t>economia </a:t>
+            </a:r>
+            <a:r>
+              <a:rPr lang="pt-BR" sz="1400" spc="105" dirty="0">
+                <a:latin typeface="Arial" panose="020B0604020202020204" pitchFamily="34" charset="0"/>
+                <a:cs typeface="Arial" panose="020B0604020202020204" pitchFamily="34" charset="0"/>
+              </a:rPr>
+              <a:t>a</a:t>
+            </a:r>
+            <a:r>
+              <a:rPr lang="pt-BR" sz="1400" spc="105" dirty="0" smtClean="0">
+                <a:latin typeface="Arial" panose="020B0604020202020204" pitchFamily="34" charset="0"/>
+                <a:cs typeface="Arial" panose="020B0604020202020204" pitchFamily="34" charset="0"/>
+              </a:rPr>
+              <a:t>rgentina</a:t>
+            </a:r>
+            <a:r>
+              <a:rPr lang="pt-BR" sz="1400" spc="105" dirty="0" smtClean="0">
+                <a:latin typeface="Arial" panose="020B0604020202020204" pitchFamily="34" charset="0"/>
+                <a:cs typeface="Arial" panose="020B0604020202020204" pitchFamily="34" charset="0"/>
+              </a:rPr>
+              <a:t>.</a:t>
             </a:r>
             <a:endParaRPr lang="pt-BR" sz="1400" spc="105" dirty="0">
               <a:latin typeface="Arial" panose="020B0604020202020204" pitchFamily="34" charset="0"/>
@@ -14149,7 +14945,17 @@
                 <a:latin typeface="Trebuchet MS"/>
                 <a:cs typeface="Trebuchet MS"/>
               </a:rPr>
-              <a:t>Incerteza na economia Argrentina</a:t>
+              <a:t>Incerteza na economia </a:t>
+            </a:r>
+            <a:r>
+              <a:rPr lang="pt-BR" sz="2800" b="1" spc="175" dirty="0" smtClean="0">
+                <a:solidFill>
+                  <a:srgbClr val="FFFFFF"/>
+                </a:solidFill>
+                <a:latin typeface="Trebuchet MS"/>
+                <a:cs typeface="Trebuchet MS"/>
+              </a:rPr>
+              <a:t>Argentina</a:t>
             </a:r>
             <a:endParaRPr sz="2800" dirty="0">
               <a:latin typeface="Trebuchet MS"/>
@@ -14258,7 +15064,14 @@
                 <a:latin typeface="Trebuchet MS"/>
                 <a:cs typeface="Trebuchet MS"/>
               </a:rPr>
-              <a:t>AUMENTO NO NÚMERO DE PESSOAS COM ACESSO A INTERNET</a:t>
+              <a:t>AUMENTO NO NÚMERO DE PESSOAS COM </a:t>
+            </a:r>
+            <a:r>
+              <a:rPr lang="pt-BR" sz="1700" b="1" spc="105" dirty="0" smtClean="0">
+                <a:latin typeface="Trebuchet MS"/>
+                <a:cs typeface="Trebuchet MS"/>
+              </a:rPr>
+              <a:t>ACESSO À INTERNET</a:t>
             </a:r>
             <a:endParaRPr lang="pt-BR" sz="1700" b="1" spc="105" dirty="0">
               <a:latin typeface="Trebuchet MS"/>
@@ -14666,8 +15479,8 @@
         </p:nvSpPr>
         <p:spPr>
           <a:xfrm>
-            <a:off x="3826993" y="2872664"/>
-            <a:ext cx="5340927" cy="274562"/>
+            <a:off x="3966476" y="2872664"/>
+            <a:ext cx="4983792" cy="274562"/>
           </a:xfrm>
           <a:prstGeom prst="rect">
             <a:avLst/>
